--- a/slides/11-sequences-pt1.pptx
+++ b/slides/11-sequences-pt1.pptx
@@ -222,7 +222,7 @@
           <a:p>
             <a:fld id="{3CBB8A52-8AC5-C74C-97FB-632C448F3674}" type="datetimeFigureOut">
               <a:rPr lang="en-US" smtClean="0"/>
-              <a:t>3/7/24</a:t>
+              <a:t>3/19/24</a:t>
             </a:fld>
             <a:endParaRPr lang="en-US"/>
           </a:p>
@@ -3692,7 +3692,7 @@
             <a:fld id="{5586B75A-687E-405C-8A0B-8D00578BA2C3}" type="datetimeFigureOut">
               <a:rPr lang="en-US" smtClean="0"/>
               <a:pPr/>
-              <a:t>3/7/24</a:t>
+              <a:t>3/19/24</a:t>
             </a:fld>
             <a:endParaRPr lang="en-US" dirty="0"/>
           </a:p>
@@ -3864,7 +3864,7 @@
             <a:fld id="{5586B75A-687E-405C-8A0B-8D00578BA2C3}" type="datetimeFigureOut">
               <a:rPr lang="en-US" smtClean="0"/>
               <a:pPr/>
-              <a:t>3/7/24</a:t>
+              <a:t>3/19/24</a:t>
             </a:fld>
             <a:endParaRPr lang="en-US" dirty="0"/>
           </a:p>
@@ -4046,7 +4046,7 @@
             <a:fld id="{5586B75A-687E-405C-8A0B-8D00578BA2C3}" type="datetimeFigureOut">
               <a:rPr lang="en-US" smtClean="0"/>
               <a:pPr/>
-              <a:t>3/7/24</a:t>
+              <a:t>3/19/24</a:t>
             </a:fld>
             <a:endParaRPr lang="en-US" dirty="0"/>
           </a:p>
@@ -4218,7 +4218,7 @@
             <a:fld id="{5586B75A-687E-405C-8A0B-8D00578BA2C3}" type="datetimeFigureOut">
               <a:rPr lang="en-US" smtClean="0"/>
               <a:pPr/>
-              <a:t>3/7/24</a:t>
+              <a:t>3/19/24</a:t>
             </a:fld>
             <a:endParaRPr lang="en-US" dirty="0"/>
           </a:p>
@@ -4474,7 +4474,7 @@
             <a:fld id="{5586B75A-687E-405C-8A0B-8D00578BA2C3}" type="datetimeFigureOut">
               <a:rPr lang="en-US" smtClean="0"/>
               <a:pPr/>
-              <a:t>3/7/24</a:t>
+              <a:t>3/19/24</a:t>
             </a:fld>
             <a:endParaRPr lang="en-US" dirty="0"/>
           </a:p>
@@ -4764,7 +4764,7 @@
             <a:fld id="{5586B75A-687E-405C-8A0B-8D00578BA2C3}" type="datetimeFigureOut">
               <a:rPr lang="en-US" smtClean="0"/>
               <a:pPr/>
-              <a:t>3/7/24</a:t>
+              <a:t>3/19/24</a:t>
             </a:fld>
             <a:endParaRPr lang="en-US" dirty="0"/>
           </a:p>
@@ -5208,7 +5208,7 @@
             <a:fld id="{5586B75A-687E-405C-8A0B-8D00578BA2C3}" type="datetimeFigureOut">
               <a:rPr lang="en-US" smtClean="0"/>
               <a:pPr/>
-              <a:t>3/7/24</a:t>
+              <a:t>3/19/24</a:t>
             </a:fld>
             <a:endParaRPr lang="en-US" dirty="0"/>
           </a:p>
@@ -5328,7 +5328,7 @@
             <a:fld id="{5586B75A-687E-405C-8A0B-8D00578BA2C3}" type="datetimeFigureOut">
               <a:rPr lang="en-US" smtClean="0"/>
               <a:pPr/>
-              <a:t>3/7/24</a:t>
+              <a:t>3/19/24</a:t>
             </a:fld>
             <a:endParaRPr lang="en-US" dirty="0"/>
           </a:p>
@@ -5425,7 +5425,7 @@
             <a:fld id="{5586B75A-687E-405C-8A0B-8D00578BA2C3}" type="datetimeFigureOut">
               <a:rPr lang="en-US" smtClean="0"/>
               <a:pPr/>
-              <a:t>3/7/24</a:t>
+              <a:t>3/19/24</a:t>
             </a:fld>
             <a:endParaRPr lang="en-US" dirty="0"/>
           </a:p>
@@ -5715,7 +5715,7 @@
             <a:fld id="{5586B75A-687E-405C-8A0B-8D00578BA2C3}" type="datetimeFigureOut">
               <a:rPr lang="en-US" smtClean="0"/>
               <a:pPr/>
-              <a:t>3/7/24</a:t>
+              <a:t>3/19/24</a:t>
             </a:fld>
             <a:endParaRPr lang="en-US" dirty="0"/>
           </a:p>
@@ -5990,7 +5990,7 @@
             <a:fld id="{5586B75A-687E-405C-8A0B-8D00578BA2C3}" type="datetimeFigureOut">
               <a:rPr lang="en-US" smtClean="0"/>
               <a:pPr/>
-              <a:t>3/7/24</a:t>
+              <a:t>3/19/24</a:t>
             </a:fld>
             <a:endParaRPr lang="en-US" dirty="0"/>
           </a:p>
@@ -6289,7 +6289,7 @@
             <a:fld id="{5586B75A-687E-405C-8A0B-8D00578BA2C3}" type="datetimeFigureOut">
               <a:rPr lang="en-US" smtClean="0"/>
               <a:pPr/>
-              <a:t>3/7/24</a:t>
+              <a:t>3/19/24</a:t>
             </a:fld>
             <a:endParaRPr lang="en-US" dirty="0"/>
           </a:p>
@@ -6803,8 +6803,13 @@
           <a:p>
             <a:r>
               <a:rPr lang="en-US" dirty="0"/>
-              <a:t>Discrete Structures– Sequences</a:t>
+              <a:t>Discrete Structures– Sequences Pt. </a:t>
             </a:r>
+            <a:r>
+              <a:rPr lang="en-US"/>
+              <a:t>1</a:t>
+            </a:r>
+            <a:endParaRPr lang="en-US" dirty="0"/>
           </a:p>
         </p:txBody>
       </p:sp>
@@ -7701,8 +7706,8 @@
           </a:p>
         </p:txBody>
       </p:sp>
-      <mc:AlternateContent xmlns:mc="http://schemas.openxmlformats.org/markup-compatibility/2006">
-        <mc:Choice xmlns:a14="http://schemas.microsoft.com/office/drawing/2010/main" Requires="a14">
+      <mc:AlternateContent xmlns:mc="http://schemas.openxmlformats.org/markup-compatibility/2006" xmlns:a14="http://schemas.microsoft.com/office/drawing/2010/main">
+        <mc:Choice Requires="a14">
           <p:sp>
             <p:nvSpPr>
               <p:cNvPr id="6" name="Content Placeholder 2">
@@ -7974,7 +7979,7 @@
             </p:txBody>
           </p:sp>
         </mc:Choice>
-        <mc:Fallback>
+        <mc:Fallback xmlns="">
           <p:sp>
             <p:nvSpPr>
               <p:cNvPr id="6" name="Content Placeholder 2">
@@ -8082,8 +8087,8 @@
           </a:p>
         </p:txBody>
       </p:sp>
-      <mc:AlternateContent xmlns:mc="http://schemas.openxmlformats.org/markup-compatibility/2006">
-        <mc:Choice xmlns:a14="http://schemas.microsoft.com/office/drawing/2010/main" Requires="a14">
+      <mc:AlternateContent xmlns:mc="http://schemas.openxmlformats.org/markup-compatibility/2006" xmlns:a14="http://schemas.microsoft.com/office/drawing/2010/main">
+        <mc:Choice Requires="a14">
           <p:sp>
             <p:nvSpPr>
               <p:cNvPr id="6" name="Content Placeholder 2">
@@ -8894,7 +8899,7 @@
             </p:txBody>
           </p:sp>
         </mc:Choice>
-        <mc:Fallback>
+        <mc:Fallback xmlns="">
           <p:sp>
             <p:nvSpPr>
               <p:cNvPr id="6" name="Content Placeholder 2">
@@ -9121,8 +9126,8 @@
           </a:p>
         </p:txBody>
       </p:sp>
-      <mc:AlternateContent xmlns:mc="http://schemas.openxmlformats.org/markup-compatibility/2006">
-        <mc:Choice xmlns:a14="http://schemas.microsoft.com/office/drawing/2010/main" Requires="a14">
+      <mc:AlternateContent xmlns:mc="http://schemas.openxmlformats.org/markup-compatibility/2006" xmlns:a14="http://schemas.microsoft.com/office/drawing/2010/main">
+        <mc:Choice Requires="a14">
           <p:sp>
             <p:nvSpPr>
               <p:cNvPr id="6" name="Content Placeholder 2">
@@ -9386,7 +9391,7 @@
             </p:txBody>
           </p:sp>
         </mc:Choice>
-        <mc:Fallback>
+        <mc:Fallback xmlns="">
           <p:sp>
             <p:nvSpPr>
               <p:cNvPr id="6" name="Content Placeholder 2">
@@ -9494,8 +9499,8 @@
           </a:p>
         </p:txBody>
       </p:sp>
-      <mc:AlternateContent xmlns:mc="http://schemas.openxmlformats.org/markup-compatibility/2006">
-        <mc:Choice xmlns:a14="http://schemas.microsoft.com/office/drawing/2010/main" Requires="a14">
+      <mc:AlternateContent xmlns:mc="http://schemas.openxmlformats.org/markup-compatibility/2006" xmlns:a14="http://schemas.microsoft.com/office/drawing/2010/main">
+        <mc:Choice Requires="a14">
           <p:sp>
             <p:nvSpPr>
               <p:cNvPr id="6" name="Content Placeholder 2">
@@ -10079,16 +10084,7 @@
                         </a:solidFill>
                         <a:latin typeface="Cambria Math" panose="02040503050406030204" pitchFamily="18" charset="0"/>
                       </a:rPr>
-                      <m:t>=</m:t>
-                    </m:r>
-                    <m:r>
-                      <a:rPr lang="en-US" sz="2400" b="0" i="1" smtClean="0">
-                        <a:solidFill>
-                          <a:schemeClr val="tx1"/>
-                        </a:solidFill>
-                        <a:latin typeface="Cambria Math" panose="02040503050406030204" pitchFamily="18" charset="0"/>
-                      </a:rPr>
-                      <m:t>27</m:t>
+                      <m:t>=27</m:t>
                     </m:r>
                   </m:oMath>
                 </a14:m>
@@ -10386,7 +10382,7 @@
             </p:txBody>
           </p:sp>
         </mc:Choice>
-        <mc:Fallback>
+        <mc:Fallback xmlns="">
           <p:sp>
             <p:nvSpPr>
               <p:cNvPr id="6" name="Content Placeholder 2">
@@ -10613,8 +10609,8 @@
           </a:p>
         </p:txBody>
       </p:sp>
-      <mc:AlternateContent xmlns:mc="http://schemas.openxmlformats.org/markup-compatibility/2006">
-        <mc:Choice xmlns:a14="http://schemas.microsoft.com/office/drawing/2010/main" Requires="a14">
+      <mc:AlternateContent xmlns:mc="http://schemas.openxmlformats.org/markup-compatibility/2006" xmlns:a14="http://schemas.microsoft.com/office/drawing/2010/main">
+        <mc:Choice Requires="a14">
           <p:sp>
             <p:nvSpPr>
               <p:cNvPr id="6" name="Content Placeholder 2">
@@ -11482,7 +11478,7 @@
                     <m:sSub>
                       <m:sSubPr>
                         <m:ctrlPr>
-                          <a:rPr lang="en-US" sz="2200" b="0" i="0" smtClean="0">
+                          <a:rPr lang="en-US" sz="2200" b="0" i="1" smtClean="0">
                             <a:solidFill>
                               <a:schemeClr val="tx1"/>
                             </a:solidFill>
@@ -11528,7 +11524,7 @@
                     <m:sSub>
                       <m:sSubPr>
                         <m:ctrlPr>
-                          <a:rPr lang="en-US" sz="2200" b="0" i="0" smtClean="0">
+                          <a:rPr lang="en-US" sz="2200" b="0" i="1" smtClean="0">
                             <a:solidFill>
                               <a:schemeClr val="tx1"/>
                             </a:solidFill>
@@ -11583,7 +11579,7 @@
             </p:txBody>
           </p:sp>
         </mc:Choice>
-        <mc:Fallback>
+        <mc:Fallback xmlns="">
           <p:sp>
             <p:nvSpPr>
               <p:cNvPr id="6" name="Content Placeholder 2">
@@ -11750,8 +11746,8 @@
           </a:p>
         </p:txBody>
       </p:sp>
-      <mc:AlternateContent xmlns:mc="http://schemas.openxmlformats.org/markup-compatibility/2006">
-        <mc:Choice xmlns:a14="http://schemas.microsoft.com/office/drawing/2010/main" Requires="a14">
+      <mc:AlternateContent xmlns:mc="http://schemas.openxmlformats.org/markup-compatibility/2006" xmlns:a14="http://schemas.microsoft.com/office/drawing/2010/main">
+        <mc:Choice Requires="a14">
           <p:sp>
             <p:nvSpPr>
               <p:cNvPr id="3" name="Rounded Rectangle 2">
@@ -12394,7 +12390,7 @@
             </p:txBody>
           </p:sp>
         </mc:Choice>
-        <mc:Fallback>
+        <mc:Fallback xmlns="">
           <p:sp>
             <p:nvSpPr>
               <p:cNvPr id="3" name="Rounded Rectangle 2">
@@ -12685,8 +12681,8 @@
           </a:p>
         </p:txBody>
       </p:sp>
-      <mc:AlternateContent xmlns:mc="http://schemas.openxmlformats.org/markup-compatibility/2006">
-        <mc:Choice xmlns:a14="http://schemas.microsoft.com/office/drawing/2010/main" Requires="a14">
+      <mc:AlternateContent xmlns:mc="http://schemas.openxmlformats.org/markup-compatibility/2006" xmlns:a14="http://schemas.microsoft.com/office/drawing/2010/main">
+        <mc:Choice Requires="a14">
           <p:sp>
             <p:nvSpPr>
               <p:cNvPr id="3" name="Rounded Rectangle 2">
@@ -13034,7 +13030,7 @@
             </p:txBody>
           </p:sp>
         </mc:Choice>
-        <mc:Fallback>
+        <mc:Fallback xmlns="">
           <p:sp>
             <p:nvSpPr>
               <p:cNvPr id="3" name="Rounded Rectangle 2">
@@ -13143,8 +13139,8 @@
           </a:p>
         </p:txBody>
       </p:sp>
-      <mc:AlternateContent xmlns:mc="http://schemas.openxmlformats.org/markup-compatibility/2006">
-        <mc:Choice xmlns:a14="http://schemas.microsoft.com/office/drawing/2010/main" Requires="a14">
+      <mc:AlternateContent xmlns:mc="http://schemas.openxmlformats.org/markup-compatibility/2006" xmlns:a14="http://schemas.microsoft.com/office/drawing/2010/main">
+        <mc:Choice Requires="a14">
           <p:sp>
             <p:nvSpPr>
               <p:cNvPr id="6" name="Content Placeholder 2">
@@ -14053,7 +14049,7 @@
             </p:txBody>
           </p:sp>
         </mc:Choice>
-        <mc:Fallback>
+        <mc:Fallback xmlns="">
           <p:sp>
             <p:nvSpPr>
               <p:cNvPr id="6" name="Content Placeholder 2">
@@ -14270,8 +14266,8 @@
           </a:p>
         </p:txBody>
       </p:sp>
-      <mc:AlternateContent xmlns:mc="http://schemas.openxmlformats.org/markup-compatibility/2006">
-        <mc:Choice xmlns:a14="http://schemas.microsoft.com/office/drawing/2010/main" Requires="a14">
+      <mc:AlternateContent xmlns:mc="http://schemas.openxmlformats.org/markup-compatibility/2006" xmlns:a14="http://schemas.microsoft.com/office/drawing/2010/main">
+        <mc:Choice Requires="a14">
           <p:sp>
             <p:nvSpPr>
               <p:cNvPr id="6" name="Content Placeholder 2">
@@ -15180,7 +15176,7 @@
             </p:txBody>
           </p:sp>
         </mc:Choice>
-        <mc:Fallback>
+        <mc:Fallback xmlns="">
           <p:sp>
             <p:nvSpPr>
               <p:cNvPr id="6" name="Content Placeholder 2">
@@ -15224,8 +15220,8 @@
           </p:sp>
         </mc:Fallback>
       </mc:AlternateContent>
-      <mc:AlternateContent xmlns:mc="http://schemas.openxmlformats.org/markup-compatibility/2006">
-        <mc:Choice xmlns:a14="http://schemas.microsoft.com/office/drawing/2010/main" Requires="a14">
+      <mc:AlternateContent xmlns:mc="http://schemas.openxmlformats.org/markup-compatibility/2006" xmlns:a14="http://schemas.microsoft.com/office/drawing/2010/main">
+        <mc:Choice Requires="a14">
           <p:sp>
             <p:nvSpPr>
               <p:cNvPr id="3" name="Rounded Rectangle 2">
@@ -15455,7 +15451,7 @@
             </p:txBody>
           </p:sp>
         </mc:Choice>
-        <mc:Fallback>
+        <mc:Fallback xmlns="">
           <p:sp>
             <p:nvSpPr>
               <p:cNvPr id="3" name="Rounded Rectangle 2">
@@ -15564,8 +15560,8 @@
           </a:p>
         </p:txBody>
       </p:sp>
-      <mc:AlternateContent xmlns:mc="http://schemas.openxmlformats.org/markup-compatibility/2006">
-        <mc:Choice xmlns:a14="http://schemas.microsoft.com/office/drawing/2010/main" Requires="a14">
+      <mc:AlternateContent xmlns:mc="http://schemas.openxmlformats.org/markup-compatibility/2006" xmlns:a14="http://schemas.microsoft.com/office/drawing/2010/main">
+        <mc:Choice Requires="a14">
           <p:sp>
             <p:nvSpPr>
               <p:cNvPr id="6" name="Content Placeholder 2">
@@ -16474,7 +16470,7 @@
             </p:txBody>
           </p:sp>
         </mc:Choice>
-        <mc:Fallback>
+        <mc:Fallback xmlns="">
           <p:sp>
             <p:nvSpPr>
               <p:cNvPr id="6" name="Content Placeholder 2">
@@ -16518,8 +16514,8 @@
           </p:sp>
         </mc:Fallback>
       </mc:AlternateContent>
-      <mc:AlternateContent xmlns:mc="http://schemas.openxmlformats.org/markup-compatibility/2006">
-        <mc:Choice xmlns:a14="http://schemas.microsoft.com/office/drawing/2010/main" Requires="a14">
+      <mc:AlternateContent xmlns:mc="http://schemas.openxmlformats.org/markup-compatibility/2006" xmlns:a14="http://schemas.microsoft.com/office/drawing/2010/main">
+        <mc:Choice Requires="a14">
           <p:sp>
             <p:nvSpPr>
               <p:cNvPr id="4" name="Rounded Rectangular Callout 3">
@@ -16653,7 +16649,7 @@
             </p:txBody>
           </p:sp>
         </mc:Choice>
-        <mc:Fallback>
+        <mc:Fallback xmlns="">
           <p:sp>
             <p:nvSpPr>
               <p:cNvPr id="4" name="Rounded Rectangular Callout 3">
@@ -16766,8 +16762,8 @@
           </a:p>
         </p:txBody>
       </p:sp>
-      <mc:AlternateContent xmlns:mc="http://schemas.openxmlformats.org/markup-compatibility/2006">
-        <mc:Choice xmlns:a14="http://schemas.microsoft.com/office/drawing/2010/main" Requires="a14">
+      <mc:AlternateContent xmlns:mc="http://schemas.openxmlformats.org/markup-compatibility/2006" xmlns:a14="http://schemas.microsoft.com/office/drawing/2010/main">
+        <mc:Choice Requires="a14">
           <p:sp>
             <p:nvSpPr>
               <p:cNvPr id="3" name="Rounded Rectangle 2">
@@ -16877,7 +16873,7 @@
             </p:txBody>
           </p:sp>
         </mc:Choice>
-        <mc:Fallback>
+        <mc:Fallback xmlns="">
           <p:sp>
             <p:nvSpPr>
               <p:cNvPr id="3" name="Rounded Rectangle 2">
@@ -17016,8 +17012,8 @@
           </a:p>
         </p:txBody>
       </p:sp>
-      <mc:AlternateContent xmlns:mc="http://schemas.openxmlformats.org/markup-compatibility/2006">
-        <mc:Choice xmlns:a14="http://schemas.microsoft.com/office/drawing/2010/main" Requires="a14">
+      <mc:AlternateContent xmlns:mc="http://schemas.openxmlformats.org/markup-compatibility/2006" xmlns:a14="http://schemas.microsoft.com/office/drawing/2010/main">
+        <mc:Choice Requires="a14">
           <p:sp>
             <p:nvSpPr>
               <p:cNvPr id="4" name="Content Placeholder 2">
@@ -17554,7 +17550,7 @@
             </p:txBody>
           </p:sp>
         </mc:Choice>
-        <mc:Fallback>
+        <mc:Fallback xmlns="">
           <p:sp>
             <p:nvSpPr>
               <p:cNvPr id="4" name="Content Placeholder 2">
@@ -17662,8 +17658,8 @@
           </a:p>
         </p:txBody>
       </p:sp>
-      <mc:AlternateContent xmlns:mc="http://schemas.openxmlformats.org/markup-compatibility/2006">
-        <mc:Choice xmlns:a14="http://schemas.microsoft.com/office/drawing/2010/main" Requires="a14">
+      <mc:AlternateContent xmlns:mc="http://schemas.openxmlformats.org/markup-compatibility/2006" xmlns:a14="http://schemas.microsoft.com/office/drawing/2010/main">
+        <mc:Choice Requires="a14">
           <p:sp>
             <p:nvSpPr>
               <p:cNvPr id="4" name="Content Placeholder 2">
@@ -18200,7 +18196,7 @@
             </p:txBody>
           </p:sp>
         </mc:Choice>
-        <mc:Fallback>
+        <mc:Fallback xmlns="">
           <p:sp>
             <p:nvSpPr>
               <p:cNvPr id="4" name="Content Placeholder 2">
@@ -18244,8 +18240,8 @@
           </p:sp>
         </mc:Fallback>
       </mc:AlternateContent>
-      <mc:AlternateContent xmlns:mc="http://schemas.openxmlformats.org/markup-compatibility/2006">
-        <mc:Choice xmlns:a14="http://schemas.microsoft.com/office/drawing/2010/main" Requires="a14">
+      <mc:AlternateContent xmlns:mc="http://schemas.openxmlformats.org/markup-compatibility/2006" xmlns:a14="http://schemas.microsoft.com/office/drawing/2010/main">
+        <mc:Choice Requires="a14">
           <p:sp>
             <p:nvSpPr>
               <p:cNvPr id="3" name="Rounded Rectangle 2">
@@ -18389,7 +18385,7 @@
             </p:txBody>
           </p:sp>
         </mc:Choice>
-        <mc:Fallback>
+        <mc:Fallback xmlns="">
           <p:sp>
             <p:nvSpPr>
               <p:cNvPr id="3" name="Rounded Rectangle 2">
@@ -18498,8 +18494,8 @@
           </a:p>
         </p:txBody>
       </p:sp>
-      <mc:AlternateContent xmlns:mc="http://schemas.openxmlformats.org/markup-compatibility/2006">
-        <mc:Choice xmlns:a14="http://schemas.microsoft.com/office/drawing/2010/main" Requires="a14">
+      <mc:AlternateContent xmlns:mc="http://schemas.openxmlformats.org/markup-compatibility/2006" xmlns:a14="http://schemas.microsoft.com/office/drawing/2010/main">
+        <mc:Choice Requires="a14">
           <p:sp>
             <p:nvSpPr>
               <p:cNvPr id="4" name="Content Placeholder 2">
@@ -19061,7 +19057,7 @@
             </p:txBody>
           </p:sp>
         </mc:Choice>
-        <mc:Fallback>
+        <mc:Fallback xmlns="">
           <p:sp>
             <p:nvSpPr>
               <p:cNvPr id="4" name="Content Placeholder 2">
@@ -19169,8 +19165,8 @@
           </a:p>
         </p:txBody>
       </p:sp>
-      <mc:AlternateContent xmlns:mc="http://schemas.openxmlformats.org/markup-compatibility/2006">
-        <mc:Choice xmlns:a14="http://schemas.microsoft.com/office/drawing/2010/main" Requires="a14">
+      <mc:AlternateContent xmlns:mc="http://schemas.openxmlformats.org/markup-compatibility/2006" xmlns:a14="http://schemas.microsoft.com/office/drawing/2010/main">
+        <mc:Choice Requires="a14">
           <p:sp>
             <p:nvSpPr>
               <p:cNvPr id="4" name="Content Placeholder 2">
@@ -19732,7 +19728,7 @@
             </p:txBody>
           </p:sp>
         </mc:Choice>
-        <mc:Fallback>
+        <mc:Fallback xmlns="">
           <p:sp>
             <p:nvSpPr>
               <p:cNvPr id="4" name="Content Placeholder 2">
@@ -19776,8 +19772,8 @@
           </p:sp>
         </mc:Fallback>
       </mc:AlternateContent>
-      <mc:AlternateContent xmlns:mc="http://schemas.openxmlformats.org/markup-compatibility/2006">
-        <mc:Choice xmlns:a14="http://schemas.microsoft.com/office/drawing/2010/main" Requires="a14">
+      <mc:AlternateContent xmlns:mc="http://schemas.openxmlformats.org/markup-compatibility/2006" xmlns:a14="http://schemas.microsoft.com/office/drawing/2010/main">
+        <mc:Choice Requires="a14">
           <p:sp>
             <p:nvSpPr>
               <p:cNvPr id="3" name="Rounded Rectangle 2">
@@ -19921,7 +19917,7 @@
             </p:txBody>
           </p:sp>
         </mc:Choice>
-        <mc:Fallback>
+        <mc:Fallback xmlns="">
           <p:sp>
             <p:nvSpPr>
               <p:cNvPr id="3" name="Rounded Rectangle 2">
@@ -20030,8 +20026,8 @@
           </a:p>
         </p:txBody>
       </p:sp>
-      <mc:AlternateContent xmlns:mc="http://schemas.openxmlformats.org/markup-compatibility/2006" xmlns:a14="http://schemas.microsoft.com/office/drawing/2010/main">
-        <mc:Choice Requires="a14">
+      <mc:AlternateContent xmlns:mc="http://schemas.openxmlformats.org/markup-compatibility/2006">
+        <mc:Choice xmlns:a14="http://schemas.microsoft.com/office/drawing/2010/main" Requires="a14">
           <p:sp>
             <p:nvSpPr>
               <p:cNvPr id="6" name="Content Placeholder 2">
@@ -20155,7 +20151,7 @@
                     </a:solidFill>
                     <a:latin typeface="Open Sans" panose="020B0606030504020204" pitchFamily="34" charset="0"/>
                   </a:rPr>
-                  <a:t>, an call it a </a:t>
+                  <a:t>, and call it a </a:t>
                 </a:r>
                 <a:r>
                   <a:rPr lang="en-US" sz="2400" b="1" i="1" dirty="0">
@@ -20909,7 +20905,7 @@
             </p:txBody>
           </p:sp>
         </mc:Choice>
-        <mc:Fallback xmlns="">
+        <mc:Fallback>
           <p:sp>
             <p:nvSpPr>
               <p:cNvPr id="6" name="Content Placeholder 2">
@@ -21351,7 +21347,7 @@
                 </a:solidFill>
                 <a:latin typeface="Open Sans" panose="020B0606030504020204" pitchFamily="34" charset="0"/>
               </a:rPr>
-              <a:t>You have a collection of 1X1 squares and 1X2 squares. You want to arrange these to. make a 1X15 strip. </a:t>
+              <a:t>You have a collection of 1X1 squares and 1X2 squares. You want to arrange these to make a 1X15 strip. </a:t>
             </a:r>
           </a:p>
           <a:p>
@@ -22156,8 +22152,8 @@
           </a:p>
         </p:txBody>
       </p:sp>
-      <mc:AlternateContent xmlns:mc="http://schemas.openxmlformats.org/markup-compatibility/2006" xmlns:a14="http://schemas.microsoft.com/office/drawing/2010/main">
-        <mc:Choice Requires="a14">
+      <mc:AlternateContent xmlns:mc="http://schemas.openxmlformats.org/markup-compatibility/2006">
+        <mc:Choice xmlns:a14="http://schemas.microsoft.com/office/drawing/2010/main" Requires="a14">
           <p:sp>
             <p:nvSpPr>
               <p:cNvPr id="6" name="Content Placeholder 2">
@@ -22239,7 +22235,7 @@
                     </a:solidFill>
                     <a:latin typeface="Open Sans" panose="020B0606030504020204" pitchFamily="34" charset="0"/>
                   </a:rPr>
-                  <a:t>When we use variables to represent a sequence, we number them because order matters:</a:t>
+                  <a:t>When we use variables to represent a sequence, we use indices because order matters:</a:t>
                 </a:r>
               </a:p>
               <a:p>
@@ -22459,7 +22455,7 @@
             </p:txBody>
           </p:sp>
         </mc:Choice>
-        <mc:Fallback xmlns="">
+        <mc:Fallback>
           <p:sp>
             <p:nvSpPr>
               <p:cNvPr id="6" name="Content Placeholder 2">

--- a/slides/11-sequences-pt1.pptx
+++ b/slides/11-sequences-pt1.pptx
@@ -5,7 +5,7 @@
     <p:sldMasterId id="2147483852" r:id="rId1"/>
   </p:sldMasterIdLst>
   <p:notesMasterIdLst>
-    <p:notesMasterId r:id="rId28"/>
+    <p:notesMasterId r:id="rId29"/>
   </p:notesMasterIdLst>
   <p:sldIdLst>
     <p:sldId id="256" r:id="rId2"/>
@@ -25,15 +25,16 @@
     <p:sldId id="387" r:id="rId16"/>
     <p:sldId id="388" r:id="rId17"/>
     <p:sldId id="389" r:id="rId18"/>
-    <p:sldId id="390" r:id="rId19"/>
-    <p:sldId id="391" r:id="rId20"/>
-    <p:sldId id="392" r:id="rId21"/>
-    <p:sldId id="393" r:id="rId22"/>
-    <p:sldId id="394" r:id="rId23"/>
-    <p:sldId id="395" r:id="rId24"/>
-    <p:sldId id="396" r:id="rId25"/>
-    <p:sldId id="397" r:id="rId26"/>
-    <p:sldId id="398" r:id="rId27"/>
+    <p:sldId id="399" r:id="rId19"/>
+    <p:sldId id="390" r:id="rId20"/>
+    <p:sldId id="391" r:id="rId21"/>
+    <p:sldId id="392" r:id="rId22"/>
+    <p:sldId id="393" r:id="rId23"/>
+    <p:sldId id="394" r:id="rId24"/>
+    <p:sldId id="395" r:id="rId25"/>
+    <p:sldId id="396" r:id="rId26"/>
+    <p:sldId id="397" r:id="rId27"/>
+    <p:sldId id="398" r:id="rId28"/>
   </p:sldIdLst>
   <p:sldSz cx="12192000" cy="6858000"/>
   <p:notesSz cx="6858000" cy="9144000"/>
@@ -1520,7 +1521,7 @@
           <a:p>
             <a:fld id="{77F12483-E947-6F4E-A75E-B2E677827779}" type="slidenum">
               <a:rPr lang="en-US" smtClean="0"/>
-              <a:t>18</a:t>
+              <a:t>19</a:t>
             </a:fld>
             <a:endParaRPr lang="en-US"/>
           </a:p>
@@ -1705,7 +1706,7 @@
           <a:p>
             <a:fld id="{77F12483-E947-6F4E-A75E-B2E677827779}" type="slidenum">
               <a:rPr lang="en-US" smtClean="0"/>
-              <a:t>19</a:t>
+              <a:t>20</a:t>
             </a:fld>
             <a:endParaRPr lang="en-US"/>
           </a:p>
@@ -1837,7 +1838,7 @@
           <a:p>
             <a:fld id="{77F12483-E947-6F4E-A75E-B2E677827779}" type="slidenum">
               <a:rPr lang="en-US" smtClean="0"/>
-              <a:t>20</a:t>
+              <a:t>21</a:t>
             </a:fld>
             <a:endParaRPr lang="en-US"/>
           </a:p>
@@ -1969,7 +1970,7 @@
           <a:p>
             <a:fld id="{77F12483-E947-6F4E-A75E-B2E677827779}" type="slidenum">
               <a:rPr lang="en-US" smtClean="0"/>
-              <a:t>21</a:t>
+              <a:t>22</a:t>
             </a:fld>
             <a:endParaRPr lang="en-US"/>
           </a:p>
@@ -2191,7 +2192,7 @@
           <a:p>
             <a:fld id="{77F12483-E947-6F4E-A75E-B2E677827779}" type="slidenum">
               <a:rPr lang="en-US" smtClean="0"/>
-              <a:t>22</a:t>
+              <a:t>23</a:t>
             </a:fld>
             <a:endParaRPr lang="en-US"/>
           </a:p>
@@ -2302,7 +2303,7 @@
           <a:p>
             <a:fld id="{77F12483-E947-6F4E-A75E-B2E677827779}" type="slidenum">
               <a:rPr lang="en-US" smtClean="0"/>
-              <a:t>23</a:t>
+              <a:t>24</a:t>
             </a:fld>
             <a:endParaRPr lang="en-US"/>
           </a:p>
@@ -2425,7 +2426,7 @@
           <a:p>
             <a:fld id="{77F12483-E947-6F4E-A75E-B2E677827779}" type="slidenum">
               <a:rPr lang="en-US" smtClean="0"/>
-              <a:t>24</a:t>
+              <a:t>25</a:t>
             </a:fld>
             <a:endParaRPr lang="en-US"/>
           </a:p>
@@ -2548,7 +2549,7 @@
           <a:p>
             <a:fld id="{77F12483-E947-6F4E-A75E-B2E677827779}" type="slidenum">
               <a:rPr lang="en-US" smtClean="0"/>
-              <a:t>25</a:t>
+              <a:t>26</a:t>
             </a:fld>
             <a:endParaRPr lang="en-US"/>
           </a:p>
@@ -2671,7 +2672,7 @@
           <a:p>
             <a:fld id="{77F12483-E947-6F4E-A75E-B2E677827779}" type="slidenum">
               <a:rPr lang="en-US" smtClean="0"/>
-              <a:t>26</a:t>
+              <a:t>27</a:t>
             </a:fld>
             <a:endParaRPr lang="en-US"/>
           </a:p>
@@ -12576,6 +12577,93 @@
   <p:cSld>
     <p:spTree>
       <p:nvGrpSpPr>
+        <p:cNvPr id="1" name=""/>
+        <p:cNvGrpSpPr/>
+        <p:nvPr/>
+      </p:nvGrpSpPr>
+      <p:grpSpPr>
+        <a:xfrm>
+          <a:off x="0" y="0"/>
+          <a:ext cx="0" cy="0"/>
+          <a:chOff x="0" y="0"/>
+          <a:chExt cx="0" cy="0"/>
+        </a:xfrm>
+      </p:grpSpPr>
+      <p:sp>
+        <p:nvSpPr>
+          <p:cNvPr id="4" name="Title 3">
+            <a:extLst>
+              <a:ext uri="{FF2B5EF4-FFF2-40B4-BE49-F238E27FC236}">
+                <a16:creationId xmlns:a16="http://schemas.microsoft.com/office/drawing/2014/main" id="{1954722D-109B-AD22-E2C1-A6A03DA2E3C3}"/>
+              </a:ext>
+            </a:extLst>
+          </p:cNvPr>
+          <p:cNvSpPr>
+            <a:spLocks noGrp="1"/>
+          </p:cNvSpPr>
+          <p:nvPr>
+            <p:ph type="title"/>
+          </p:nvPr>
+        </p:nvSpPr>
+        <p:spPr/>
+        <p:txBody>
+          <a:bodyPr/>
+          <a:lstStyle/>
+          <a:p>
+            <a:r>
+              <a:rPr lang="en-US" dirty="0"/>
+              <a:t>Start </a:t>
+            </a:r>
+            <a:r>
+              <a:rPr lang="en-US"/>
+              <a:t>here Thursday</a:t>
+            </a:r>
+          </a:p>
+        </p:txBody>
+      </p:sp>
+      <p:sp>
+        <p:nvSpPr>
+          <p:cNvPr id="5" name="Text Placeholder 4">
+            <a:extLst>
+              <a:ext uri="{FF2B5EF4-FFF2-40B4-BE49-F238E27FC236}">
+                <a16:creationId xmlns:a16="http://schemas.microsoft.com/office/drawing/2014/main" id="{531D7501-E065-E03D-DCB6-2F607DA83565}"/>
+              </a:ext>
+            </a:extLst>
+          </p:cNvPr>
+          <p:cNvSpPr>
+            <a:spLocks noGrp="1"/>
+          </p:cNvSpPr>
+          <p:nvPr>
+            <p:ph type="body" idx="1"/>
+          </p:nvPr>
+        </p:nvSpPr>
+        <p:spPr/>
+        <p:txBody>
+          <a:bodyPr/>
+          <a:lstStyle/>
+          <a:p>
+            <a:endParaRPr lang="en-US"/>
+          </a:p>
+        </p:txBody>
+      </p:sp>
+    </p:spTree>
+    <p:extLst>
+      <p:ext uri="{BB962C8B-B14F-4D97-AF65-F5344CB8AC3E}">
+        <p14:creationId xmlns:p14="http://schemas.microsoft.com/office/powerpoint/2010/main" val="109625973"/>
+      </p:ext>
+    </p:extLst>
+  </p:cSld>
+  <p:clrMapOvr>
+    <a:masterClrMapping/>
+  </p:clrMapOvr>
+</p:sld>
+</file>
+
+<file path=ppt/slides/slide19.xml><?xml version="1.0" encoding="utf-8"?>
+<p:sld xmlns:a="http://schemas.openxmlformats.org/drawingml/2006/main" xmlns:r="http://schemas.openxmlformats.org/officeDocument/2006/relationships" xmlns:p="http://schemas.openxmlformats.org/presentationml/2006/main">
+  <p:cSld>
+    <p:spTree>
+      <p:nvGrpSpPr>
         <p:cNvPr id="1" name="">
           <a:extLst>
             <a:ext uri="{FF2B5EF4-FFF2-40B4-BE49-F238E27FC236}">
@@ -13088,7 +13176,116 @@
 </p:sld>
 </file>
 
-<file path=ppt/slides/slide19.xml><?xml version="1.0" encoding="utf-8"?>
+<file path=ppt/slides/slide2.xml><?xml version="1.0" encoding="utf-8"?>
+<p:sld xmlns:a="http://schemas.openxmlformats.org/drawingml/2006/main" xmlns:r="http://schemas.openxmlformats.org/officeDocument/2006/relationships" xmlns:p="http://schemas.openxmlformats.org/presentationml/2006/main">
+  <p:cSld>
+    <p:spTree>
+      <p:nvGrpSpPr>
+        <p:cNvPr id="1" name=""/>
+        <p:cNvGrpSpPr/>
+        <p:nvPr/>
+      </p:nvGrpSpPr>
+      <p:grpSpPr>
+        <a:xfrm>
+          <a:off x="0" y="0"/>
+          <a:ext cx="0" cy="0"/>
+          <a:chOff x="0" y="0"/>
+          <a:chExt cx="0" cy="0"/>
+        </a:xfrm>
+      </p:grpSpPr>
+      <p:sp>
+        <p:nvSpPr>
+          <p:cNvPr id="2" name="Title 1">
+            <a:extLst>
+              <a:ext uri="{FF2B5EF4-FFF2-40B4-BE49-F238E27FC236}">
+                <a16:creationId xmlns:a16="http://schemas.microsoft.com/office/drawing/2014/main" id="{10D330C2-52A4-1ABA-980B-56FBC97F350C}"/>
+              </a:ext>
+            </a:extLst>
+          </p:cNvPr>
+          <p:cNvSpPr>
+            <a:spLocks noGrp="1"/>
+          </p:cNvSpPr>
+          <p:nvPr>
+            <p:ph type="title"/>
+          </p:nvPr>
+        </p:nvSpPr>
+        <p:spPr/>
+        <p:txBody>
+          <a:bodyPr/>
+          <a:lstStyle/>
+          <a:p>
+            <a:r>
+              <a:rPr lang="en-US" dirty="0"/>
+              <a:t>Plan for Today</a:t>
+            </a:r>
+          </a:p>
+        </p:txBody>
+      </p:sp>
+      <p:sp>
+        <p:nvSpPr>
+          <p:cNvPr id="3" name="Content Placeholder 2">
+            <a:extLst>
+              <a:ext uri="{FF2B5EF4-FFF2-40B4-BE49-F238E27FC236}">
+                <a16:creationId xmlns:a16="http://schemas.microsoft.com/office/drawing/2014/main" id="{9EAE50F6-429C-715A-C25C-1C7744AED1CF}"/>
+              </a:ext>
+            </a:extLst>
+          </p:cNvPr>
+          <p:cNvSpPr>
+            <a:spLocks noGrp="1"/>
+          </p:cNvSpPr>
+          <p:nvPr>
+            <p:ph idx="1"/>
+          </p:nvPr>
+        </p:nvSpPr>
+        <p:spPr/>
+        <p:txBody>
+          <a:bodyPr>
+            <a:normAutofit/>
+          </a:bodyPr>
+          <a:lstStyle/>
+          <a:p>
+            <a:r>
+              <a:rPr lang="en-US" sz="2400" dirty="0"/>
+              <a:t>Sequences</a:t>
+            </a:r>
+          </a:p>
+          <a:p>
+            <a:pPr lvl="1"/>
+            <a:r>
+              <a:rPr lang="en-US" sz="2200" dirty="0"/>
+              <a:t>Describing</a:t>
+            </a:r>
+          </a:p>
+          <a:p>
+            <a:pPr lvl="1"/>
+            <a:r>
+              <a:rPr lang="en-US" sz="2200" dirty="0"/>
+              <a:t>Arithmetic</a:t>
+            </a:r>
+          </a:p>
+          <a:p>
+            <a:pPr lvl="1"/>
+            <a:r>
+              <a:rPr lang="en-US" sz="2200" dirty="0"/>
+              <a:t>Geometric</a:t>
+            </a:r>
+          </a:p>
+        </p:txBody>
+      </p:sp>
+    </p:spTree>
+    <p:extLst>
+      <p:ext uri="{BB962C8B-B14F-4D97-AF65-F5344CB8AC3E}">
+        <p14:creationId xmlns:p14="http://schemas.microsoft.com/office/powerpoint/2010/main" val="1085546165"/>
+      </p:ext>
+    </p:extLst>
+  </p:cSld>
+  <p:clrMapOvr>
+    <a:masterClrMapping/>
+  </p:clrMapOvr>
+</p:sld>
+</file>
+
+<file path=ppt/slides/slide20.xml><?xml version="1.0" encoding="utf-8"?>
 <p:sld xmlns:a="http://schemas.openxmlformats.org/drawingml/2006/main" xmlns:r="http://schemas.openxmlformats.org/officeDocument/2006/relationships" xmlns:p="http://schemas.openxmlformats.org/presentationml/2006/main">
   <p:cSld>
     <p:spTree>
@@ -14106,116 +14303,7 @@
 </p:sld>
 </file>
 
-<file path=ppt/slides/slide2.xml><?xml version="1.0" encoding="utf-8"?>
-<p:sld xmlns:a="http://schemas.openxmlformats.org/drawingml/2006/main" xmlns:r="http://schemas.openxmlformats.org/officeDocument/2006/relationships" xmlns:p="http://schemas.openxmlformats.org/presentationml/2006/main">
-  <p:cSld>
-    <p:spTree>
-      <p:nvGrpSpPr>
-        <p:cNvPr id="1" name=""/>
-        <p:cNvGrpSpPr/>
-        <p:nvPr/>
-      </p:nvGrpSpPr>
-      <p:grpSpPr>
-        <a:xfrm>
-          <a:off x="0" y="0"/>
-          <a:ext cx="0" cy="0"/>
-          <a:chOff x="0" y="0"/>
-          <a:chExt cx="0" cy="0"/>
-        </a:xfrm>
-      </p:grpSpPr>
-      <p:sp>
-        <p:nvSpPr>
-          <p:cNvPr id="2" name="Title 1">
-            <a:extLst>
-              <a:ext uri="{FF2B5EF4-FFF2-40B4-BE49-F238E27FC236}">
-                <a16:creationId xmlns:a16="http://schemas.microsoft.com/office/drawing/2014/main" id="{10D330C2-52A4-1ABA-980B-56FBC97F350C}"/>
-              </a:ext>
-            </a:extLst>
-          </p:cNvPr>
-          <p:cNvSpPr>
-            <a:spLocks noGrp="1"/>
-          </p:cNvSpPr>
-          <p:nvPr>
-            <p:ph type="title"/>
-          </p:nvPr>
-        </p:nvSpPr>
-        <p:spPr/>
-        <p:txBody>
-          <a:bodyPr/>
-          <a:lstStyle/>
-          <a:p>
-            <a:r>
-              <a:rPr lang="en-US" dirty="0"/>
-              <a:t>Plan for Today</a:t>
-            </a:r>
-          </a:p>
-        </p:txBody>
-      </p:sp>
-      <p:sp>
-        <p:nvSpPr>
-          <p:cNvPr id="3" name="Content Placeholder 2">
-            <a:extLst>
-              <a:ext uri="{FF2B5EF4-FFF2-40B4-BE49-F238E27FC236}">
-                <a16:creationId xmlns:a16="http://schemas.microsoft.com/office/drawing/2014/main" id="{9EAE50F6-429C-715A-C25C-1C7744AED1CF}"/>
-              </a:ext>
-            </a:extLst>
-          </p:cNvPr>
-          <p:cNvSpPr>
-            <a:spLocks noGrp="1"/>
-          </p:cNvSpPr>
-          <p:nvPr>
-            <p:ph idx="1"/>
-          </p:nvPr>
-        </p:nvSpPr>
-        <p:spPr/>
-        <p:txBody>
-          <a:bodyPr>
-            <a:normAutofit/>
-          </a:bodyPr>
-          <a:lstStyle/>
-          <a:p>
-            <a:r>
-              <a:rPr lang="en-US" sz="2400" dirty="0"/>
-              <a:t>Sequences</a:t>
-            </a:r>
-          </a:p>
-          <a:p>
-            <a:pPr lvl="1"/>
-            <a:r>
-              <a:rPr lang="en-US" sz="2200" dirty="0"/>
-              <a:t>Describing</a:t>
-            </a:r>
-          </a:p>
-          <a:p>
-            <a:pPr lvl="1"/>
-            <a:r>
-              <a:rPr lang="en-US" sz="2200" dirty="0"/>
-              <a:t>Arithmetic</a:t>
-            </a:r>
-          </a:p>
-          <a:p>
-            <a:pPr lvl="1"/>
-            <a:r>
-              <a:rPr lang="en-US" sz="2200" dirty="0"/>
-              <a:t>Geometric</a:t>
-            </a:r>
-          </a:p>
-        </p:txBody>
-      </p:sp>
-    </p:spTree>
-    <p:extLst>
-      <p:ext uri="{BB962C8B-B14F-4D97-AF65-F5344CB8AC3E}">
-        <p14:creationId xmlns:p14="http://schemas.microsoft.com/office/powerpoint/2010/main" val="1085546165"/>
-      </p:ext>
-    </p:extLst>
-  </p:cSld>
-  <p:clrMapOvr>
-    <a:masterClrMapping/>
-  </p:clrMapOvr>
-</p:sld>
-</file>
-
-<file path=ppt/slides/slide20.xml><?xml version="1.0" encoding="utf-8"?>
+<file path=ppt/slides/slide21.xml><?xml version="1.0" encoding="utf-8"?>
 <p:sld xmlns:a="http://schemas.openxmlformats.org/drawingml/2006/main" xmlns:r="http://schemas.openxmlformats.org/officeDocument/2006/relationships" xmlns:p="http://schemas.openxmlformats.org/presentationml/2006/main">
   <p:cSld>
     <p:spTree>
@@ -15509,7 +15597,7 @@
 </p:sld>
 </file>
 
-<file path=ppt/slides/slide21.xml><?xml version="1.0" encoding="utf-8"?>
+<file path=ppt/slides/slide22.xml><?xml version="1.0" encoding="utf-8"?>
 <p:sld xmlns:a="http://schemas.openxmlformats.org/drawingml/2006/main" xmlns:r="http://schemas.openxmlformats.org/officeDocument/2006/relationships" xmlns:p="http://schemas.openxmlformats.org/presentationml/2006/main">
   <p:cSld>
     <p:spTree>
@@ -16711,7 +16799,7 @@
 </p:sld>
 </file>
 
-<file path=ppt/slides/slide22.xml><?xml version="1.0" encoding="utf-8"?>
+<file path=ppt/slides/slide23.xml><?xml version="1.0" encoding="utf-8"?>
 <p:sld xmlns:a="http://schemas.openxmlformats.org/drawingml/2006/main" xmlns:r="http://schemas.openxmlformats.org/officeDocument/2006/relationships" xmlns:p="http://schemas.openxmlformats.org/presentationml/2006/main">
   <p:cSld>
     <p:spTree>
@@ -16961,7 +17049,7 @@
 </p:sld>
 </file>
 
-<file path=ppt/slides/slide23.xml><?xml version="1.0" encoding="utf-8"?>
+<file path=ppt/slides/slide24.xml><?xml version="1.0" encoding="utf-8"?>
 <p:sld xmlns:a="http://schemas.openxmlformats.org/drawingml/2006/main" xmlns:r="http://schemas.openxmlformats.org/officeDocument/2006/relationships" xmlns:p="http://schemas.openxmlformats.org/presentationml/2006/main">
   <p:cSld>
     <p:spTree>
@@ -17607,7 +17695,7 @@
 </p:sld>
 </file>
 
-<file path=ppt/slides/slide24.xml><?xml version="1.0" encoding="utf-8"?>
+<file path=ppt/slides/slide25.xml><?xml version="1.0" encoding="utf-8"?>
 <p:sld xmlns:a="http://schemas.openxmlformats.org/drawingml/2006/main" xmlns:r="http://schemas.openxmlformats.org/officeDocument/2006/relationships" xmlns:p="http://schemas.openxmlformats.org/presentationml/2006/main">
   <p:cSld>
     <p:spTree>
@@ -18443,7 +18531,7 @@
 </p:sld>
 </file>
 
-<file path=ppt/slides/slide25.xml><?xml version="1.0" encoding="utf-8"?>
+<file path=ppt/slides/slide26.xml><?xml version="1.0" encoding="utf-8"?>
 <p:sld xmlns:a="http://schemas.openxmlformats.org/drawingml/2006/main" xmlns:r="http://schemas.openxmlformats.org/officeDocument/2006/relationships" xmlns:p="http://schemas.openxmlformats.org/presentationml/2006/main">
   <p:cSld>
     <p:spTree>
@@ -19114,7 +19202,7 @@
 </p:sld>
 </file>
 
-<file path=ppt/slides/slide26.xml><?xml version="1.0" encoding="utf-8"?>
+<file path=ppt/slides/slide27.xml><?xml version="1.0" encoding="utf-8"?>
 <p:sld xmlns:a="http://schemas.openxmlformats.org/drawingml/2006/main" xmlns:r="http://schemas.openxmlformats.org/officeDocument/2006/relationships" xmlns:p="http://schemas.openxmlformats.org/presentationml/2006/main">
   <p:cSld>
     <p:spTree>
@@ -20026,8 +20114,8 @@
           </a:p>
         </p:txBody>
       </p:sp>
-      <mc:AlternateContent xmlns:mc="http://schemas.openxmlformats.org/markup-compatibility/2006">
-        <mc:Choice xmlns:a14="http://schemas.microsoft.com/office/drawing/2010/main" Requires="a14">
+      <mc:AlternateContent xmlns:mc="http://schemas.openxmlformats.org/markup-compatibility/2006" xmlns:a14="http://schemas.microsoft.com/office/drawing/2010/main">
+        <mc:Choice Requires="a14">
           <p:sp>
             <p:nvSpPr>
               <p:cNvPr id="6" name="Content Placeholder 2">
@@ -20905,7 +20993,7 @@
             </p:txBody>
           </p:sp>
         </mc:Choice>
-        <mc:Fallback>
+        <mc:Fallback xmlns="">
           <p:sp>
             <p:nvSpPr>
               <p:cNvPr id="6" name="Content Placeholder 2">
@@ -22152,8 +22240,8 @@
           </a:p>
         </p:txBody>
       </p:sp>
-      <mc:AlternateContent xmlns:mc="http://schemas.openxmlformats.org/markup-compatibility/2006">
-        <mc:Choice xmlns:a14="http://schemas.microsoft.com/office/drawing/2010/main" Requires="a14">
+      <mc:AlternateContent xmlns:mc="http://schemas.openxmlformats.org/markup-compatibility/2006" xmlns:a14="http://schemas.microsoft.com/office/drawing/2010/main">
+        <mc:Choice Requires="a14">
           <p:sp>
             <p:nvSpPr>
               <p:cNvPr id="6" name="Content Placeholder 2">
@@ -22455,7 +22543,7 @@
             </p:txBody>
           </p:sp>
         </mc:Choice>
-        <mc:Fallback>
+        <mc:Fallback xmlns="">
           <p:sp>
             <p:nvSpPr>
               <p:cNvPr id="6" name="Content Placeholder 2">
